--- a/doc/reviews/q3-2011/SoftXMT-Q3Review-2011.pptx
+++ b/doc/reviews/q3-2011/SoftXMT-Q3Review-2011.pptx
@@ -298,7 +298,7 @@
               <a:pPr>
                 <a:defRPr/>
               </a:pPr>
-              <a:t>7/8/11</a:t>
+              <a:t>7/14/11</a:t>
             </a:fld>
             <a:endParaRPr lang="en-US"/>
           </a:p>
@@ -546,7 +546,7 @@
               <a:pPr>
                 <a:defRPr/>
               </a:pPr>
-              <a:t>7/8/11</a:t>
+              <a:t>7/14/11</a:t>
             </a:fld>
             <a:endParaRPr lang="en-US"/>
           </a:p>
@@ -7355,7 +7355,7 @@
               <a:pPr>
                 <a:defRPr/>
               </a:pPr>
-              <a:t>7/8/11</a:t>
+              <a:t>7/14/11</a:t>
             </a:fld>
             <a:endParaRPr lang="en-US"/>
           </a:p>
@@ -7547,7 +7547,7 @@
               <a:pPr>
                 <a:defRPr/>
               </a:pPr>
-              <a:t>7/8/11</a:t>
+              <a:t>7/14/11</a:t>
             </a:fld>
             <a:endParaRPr lang="en-US"/>
           </a:p>
@@ -7815,7 +7815,7 @@
               <a:pPr>
                 <a:defRPr/>
               </a:pPr>
-              <a:t>7/8/11</a:t>
+              <a:t>7/14/11</a:t>
             </a:fld>
             <a:endParaRPr lang="en-US"/>
           </a:p>
@@ -8125,7 +8125,7 @@
               <a:pPr>
                 <a:defRPr/>
               </a:pPr>
-              <a:t>7/8/11</a:t>
+              <a:t>7/14/11</a:t>
             </a:fld>
             <a:endParaRPr lang="en-US"/>
           </a:p>
@@ -8569,7 +8569,7 @@
               <a:pPr>
                 <a:defRPr/>
               </a:pPr>
-              <a:t>7/8/11</a:t>
+              <a:t>7/14/11</a:t>
             </a:fld>
             <a:endParaRPr lang="en-US"/>
           </a:p>
@@ -9061,7 +9061,7 @@
               <a:pPr>
                 <a:defRPr/>
               </a:pPr>
-              <a:t>7/8/11</a:t>
+              <a:t>7/14/11</a:t>
             </a:fld>
             <a:endParaRPr lang="en-US"/>
           </a:p>
@@ -9178,7 +9178,7 @@
               <a:pPr>
                 <a:defRPr/>
               </a:pPr>
-              <a:t>7/8/11</a:t>
+              <a:t>7/14/11</a:t>
             </a:fld>
             <a:endParaRPr lang="en-US"/>
           </a:p>
@@ -9477,7 +9477,7 @@
               <a:pPr>
                 <a:defRPr/>
               </a:pPr>
-              <a:t>7/8/11</a:t>
+              <a:t>7/14/11</a:t>
             </a:fld>
             <a:endParaRPr lang="en-US"/>
           </a:p>
@@ -9755,7 +9755,7 @@
               <a:pPr>
                 <a:defRPr/>
               </a:pPr>
-              <a:t>7/8/11</a:t>
+              <a:t>7/14/11</a:t>
             </a:fld>
             <a:endParaRPr lang="en-US"/>
           </a:p>
@@ -9947,7 +9947,7 @@
               <a:pPr>
                 <a:defRPr/>
               </a:pPr>
-              <a:t>7/8/11</a:t>
+              <a:t>7/14/11</a:t>
             </a:fld>
             <a:endParaRPr lang="en-US"/>
           </a:p>
@@ -10149,7 +10149,7 @@
               <a:pPr>
                 <a:defRPr/>
               </a:pPr>
-              <a:t>7/8/11</a:t>
+              <a:t>7/14/11</a:t>
             </a:fld>
             <a:endParaRPr lang="en-US"/>
           </a:p>
@@ -13213,7 +13213,7 @@
               <a:pPr>
                 <a:defRPr/>
               </a:pPr>
-              <a:t>7/8/11</a:t>
+              <a:t>7/14/11</a:t>
             </a:fld>
             <a:endParaRPr lang="en-US"/>
           </a:p>
@@ -14035,7 +14035,7 @@
         <p:nvSpPr>
           <p:cNvPr id="20484" name="Rectangle 4"/>
           <p:cNvSpPr>
-            <a:spLocks noChangeArrowheads="1"/>
+            <a:spLocks noGrp="1" noChangeArrowheads="1"/>
           </p:cNvSpPr>
           <p:nvPr>
             <p:ph type="title"/>
@@ -14114,7 +14114,7 @@
         <p:nvSpPr>
           <p:cNvPr id="20485" name="Rectangle 5"/>
           <p:cNvSpPr>
-            <a:spLocks noChangeArrowheads="1"/>
+            <a:spLocks noGrp="1" noChangeArrowheads="1"/>
           </p:cNvSpPr>
           <p:nvPr>
             <p:ph type="body" idx="1"/>
@@ -14430,11 +14430,11 @@
   <p:clrMapOvr>
     <a:masterClrMapping/>
   </p:clrMapOvr>
-  <mc:AlternateContent xmlns:mc="http://schemas.openxmlformats.org/markup-compatibility/2006">
-    <mc:Choice xmlns:p14="http://schemas.microsoft.com/office/powerpoint/2010/main" Requires="p14">
+  <mc:AlternateContent xmlns:mc="http://schemas.openxmlformats.org/markup-compatibility/2006" xmlns:p14="http://schemas.microsoft.com/office/powerpoint/2010/main">
+    <mc:Choice Requires="p14">
       <p:transition spd="slow" p14:dur="2000"/>
     </mc:Choice>
-    <mc:Fallback>
+    <mc:Fallback xmlns="">
       <p:transition xmlns:p14="http://schemas.microsoft.com/office/powerpoint/2010/main" spd="slow"/>
     </mc:Fallback>
   </mc:AlternateContent>
@@ -14905,7 +14905,7 @@
         <p:nvSpPr>
           <p:cNvPr id="21509" name="Rectangle 5"/>
           <p:cNvSpPr>
-            <a:spLocks noChangeArrowheads="1"/>
+            <a:spLocks noGrp="1" noChangeArrowheads="1"/>
           </p:cNvSpPr>
           <p:nvPr>
             <p:ph type="title"/>
@@ -15270,11 +15270,11 @@
   <p:clrMapOvr>
     <a:masterClrMapping/>
   </p:clrMapOvr>
-  <mc:AlternateContent xmlns:mc="http://schemas.openxmlformats.org/markup-compatibility/2006">
-    <mc:Choice xmlns:p14="http://schemas.microsoft.com/office/powerpoint/2010/main" Requires="p14">
+  <mc:AlternateContent xmlns:mc="http://schemas.openxmlformats.org/markup-compatibility/2006" xmlns:p14="http://schemas.microsoft.com/office/powerpoint/2010/main">
+    <mc:Choice Requires="p14">
       <p:transition spd="slow" p14:dur="2000"/>
     </mc:Choice>
-    <mc:Fallback>
+    <mc:Fallback xmlns="">
       <p:transition xmlns:p14="http://schemas.microsoft.com/office/powerpoint/2010/main" spd="slow"/>
     </mc:Fallback>
   </mc:AlternateContent>
@@ -15471,7 +15471,7 @@
         <p:nvSpPr>
           <p:cNvPr id="22532" name="Rectangle 4"/>
           <p:cNvSpPr>
-            <a:spLocks noChangeArrowheads="1"/>
+            <a:spLocks noGrp="1" noChangeArrowheads="1"/>
           </p:cNvSpPr>
           <p:nvPr>
             <p:ph type="title"/>
@@ -15537,7 +15537,7 @@
         <p:nvSpPr>
           <p:cNvPr id="22533" name="Rectangle 5"/>
           <p:cNvSpPr>
-            <a:spLocks noChangeArrowheads="1"/>
+            <a:spLocks noGrp="1" noChangeArrowheads="1"/>
           </p:cNvSpPr>
           <p:nvPr>
             <p:ph type="body" idx="1"/>
@@ -15957,11 +15957,11 @@
   <p:clrMapOvr>
     <a:masterClrMapping/>
   </p:clrMapOvr>
-  <mc:AlternateContent xmlns:mc="http://schemas.openxmlformats.org/markup-compatibility/2006">
-    <mc:Choice xmlns:p14="http://schemas.microsoft.com/office/powerpoint/2010/main" Requires="p14">
+  <mc:AlternateContent xmlns:mc="http://schemas.openxmlformats.org/markup-compatibility/2006" xmlns:p14="http://schemas.microsoft.com/office/powerpoint/2010/main">
+    <mc:Choice Requires="p14">
       <p:transition spd="slow" p14:dur="2000"/>
     </mc:Choice>
-    <mc:Fallback>
+    <mc:Fallback xmlns="">
       <p:transition xmlns:p14="http://schemas.microsoft.com/office/powerpoint/2010/main" spd="slow"/>
     </mc:Fallback>
   </mc:AlternateContent>
@@ -16610,7 +16610,7 @@
         <p:nvSpPr>
           <p:cNvPr id="24581" name="Rectangle 5"/>
           <p:cNvSpPr>
-            <a:spLocks noChangeArrowheads="1"/>
+            <a:spLocks noGrp="1" noChangeArrowheads="1"/>
           </p:cNvSpPr>
           <p:nvPr>
             <p:ph type="title"/>
@@ -16676,7 +16676,7 @@
         <p:nvSpPr>
           <p:cNvPr id="24582" name="Rectangle 6"/>
           <p:cNvSpPr>
-            <a:spLocks noChangeArrowheads="1"/>
+            <a:spLocks noGrp="1" noChangeArrowheads="1"/>
           </p:cNvSpPr>
           <p:nvPr>
             <p:ph type="body" idx="1"/>
@@ -17649,11 +17649,11 @@
   <p:clrMapOvr>
     <a:masterClrMapping/>
   </p:clrMapOvr>
-  <mc:AlternateContent xmlns:mc="http://schemas.openxmlformats.org/markup-compatibility/2006">
-    <mc:Choice xmlns:p14="http://schemas.microsoft.com/office/powerpoint/2010/main" Requires="p14">
+  <mc:AlternateContent xmlns:mc="http://schemas.openxmlformats.org/markup-compatibility/2006" xmlns:p14="http://schemas.microsoft.com/office/powerpoint/2010/main">
+    <mc:Choice Requires="p14">
       <p:transition spd="slow" p14:dur="2000"/>
     </mc:Choice>
-    <mc:Fallback>
+    <mc:Fallback xmlns="">
       <p:transition xmlns:p14="http://schemas.microsoft.com/office/powerpoint/2010/main" spd="slow"/>
     </mc:Fallback>
   </mc:AlternateContent>
@@ -18342,7 +18342,7 @@
         <p:nvSpPr>
           <p:cNvPr id="25605" name="Rectangle 5"/>
           <p:cNvSpPr>
-            <a:spLocks noChangeArrowheads="1"/>
+            <a:spLocks noGrp="1" noChangeArrowheads="1"/>
           </p:cNvSpPr>
           <p:nvPr>
             <p:ph type="title"/>
@@ -18408,7 +18408,7 @@
         <p:nvSpPr>
           <p:cNvPr id="25606" name="Rectangle 6"/>
           <p:cNvSpPr>
-            <a:spLocks noChangeArrowheads="1"/>
+            <a:spLocks noGrp="1" noChangeArrowheads="1"/>
           </p:cNvSpPr>
           <p:nvPr>
             <p:ph type="body" idx="1"/>
@@ -19234,11 +19234,11 @@
   <p:clrMapOvr>
     <a:masterClrMapping/>
   </p:clrMapOvr>
-  <mc:AlternateContent xmlns:mc="http://schemas.openxmlformats.org/markup-compatibility/2006">
-    <mc:Choice xmlns:p14="http://schemas.microsoft.com/office/powerpoint/2010/main" Requires="p14">
+  <mc:AlternateContent xmlns:mc="http://schemas.openxmlformats.org/markup-compatibility/2006" xmlns:p14="http://schemas.microsoft.com/office/powerpoint/2010/main">
+    <mc:Choice Requires="p14">
       <p:transition spd="slow" p14:dur="2000"/>
     </mc:Choice>
-    <mc:Fallback>
+    <mc:Fallback xmlns="">
       <p:transition xmlns:p14="http://schemas.microsoft.com/office/powerpoint/2010/main" spd="slow"/>
     </mc:Fallback>
   </mc:AlternateContent>
@@ -19830,7 +19830,7 @@
         <p:nvSpPr>
           <p:cNvPr id="26628" name="Rectangle 4"/>
           <p:cNvSpPr>
-            <a:spLocks noChangeArrowheads="1"/>
+            <a:spLocks noGrp="1" noChangeArrowheads="1"/>
           </p:cNvSpPr>
           <p:nvPr>
             <p:ph type="title"/>
@@ -19896,7 +19896,7 @@
         <p:nvSpPr>
           <p:cNvPr id="26629" name="Rectangle 5"/>
           <p:cNvSpPr>
-            <a:spLocks noChangeArrowheads="1"/>
+            <a:spLocks noGrp="1" noChangeArrowheads="1"/>
           </p:cNvSpPr>
           <p:nvPr>
             <p:ph type="body" idx="1"/>
@@ -20520,11 +20520,11 @@
   <p:clrMapOvr>
     <a:masterClrMapping/>
   </p:clrMapOvr>
-  <mc:AlternateContent xmlns:mc="http://schemas.openxmlformats.org/markup-compatibility/2006">
-    <mc:Choice xmlns:p14="http://schemas.microsoft.com/office/powerpoint/2010/main" Requires="p14">
+  <mc:AlternateContent xmlns:mc="http://schemas.openxmlformats.org/markup-compatibility/2006" xmlns:p14="http://schemas.microsoft.com/office/powerpoint/2010/main">
+    <mc:Choice Requires="p14">
       <p:transition spd="slow" p14:dur="2000"/>
     </mc:Choice>
-    <mc:Fallback>
+    <mc:Fallback xmlns="">
       <p:transition xmlns:p14="http://schemas.microsoft.com/office/powerpoint/2010/main" spd="slow"/>
     </mc:Fallback>
   </mc:AlternateContent>
@@ -21248,7 +21248,7 @@
         <p:nvSpPr>
           <p:cNvPr id="28677" name="Rectangle 5"/>
           <p:cNvSpPr>
-            <a:spLocks noChangeArrowheads="1"/>
+            <a:spLocks noGrp="1" noChangeArrowheads="1"/>
           </p:cNvSpPr>
           <p:nvPr>
             <p:ph type="title"/>
@@ -21320,7 +21320,7 @@
         <p:nvSpPr>
           <p:cNvPr id="28678" name="Rectangle 6"/>
           <p:cNvSpPr>
-            <a:spLocks noChangeArrowheads="1"/>
+            <a:spLocks noGrp="1" noChangeArrowheads="1"/>
           </p:cNvSpPr>
           <p:nvPr>
             <p:ph type="body" idx="1"/>
@@ -22171,11 +22171,11 @@
   <p:clrMapOvr>
     <a:masterClrMapping/>
   </p:clrMapOvr>
-  <mc:AlternateContent xmlns:mc="http://schemas.openxmlformats.org/markup-compatibility/2006">
-    <mc:Choice xmlns:p14="http://schemas.microsoft.com/office/powerpoint/2010/main" Requires="p14">
+  <mc:AlternateContent xmlns:mc="http://schemas.openxmlformats.org/markup-compatibility/2006" xmlns:p14="http://schemas.microsoft.com/office/powerpoint/2010/main">
+    <mc:Choice Requires="p14">
       <p:transition spd="slow" p14:dur="2000"/>
     </mc:Choice>
-    <mc:Fallback>
+    <mc:Fallback xmlns="">
       <p:transition xmlns:p14="http://schemas.microsoft.com/office/powerpoint/2010/main" spd="slow"/>
     </mc:Fallback>
   </mc:AlternateContent>
@@ -22226,24 +22226,15 @@
                                   </p:childTnLst>
                                 </p:cTn>
                               </p:par>
-                            </p:childTnLst>
-                          </p:cTn>
-                        </p:par>
-                        <p:par>
-                          <p:cTn id="7" fill="hold" nodeType="afterGroup">
-                            <p:stCondLst>
-                              <p:cond delay="500"/>
-                            </p:stCondLst>
-                            <p:childTnLst>
                               <p:par>
-                                <p:cTn id="8" presetID="1" presetClass="entr" presetSubtype="0" fill="hold" grpId="0" nodeType="afterEffect">
+                                <p:cTn id="7" presetID="1" presetClass="entr" presetSubtype="0" fill="hold" grpId="0" nodeType="withEffect">
                                   <p:stCondLst>
                                     <p:cond delay="0"/>
                                   </p:stCondLst>
                                   <p:childTnLst>
                                     <p:set>
                                       <p:cBhvr>
-                                        <p:cTn id="9" dur="1" fill="hold">
+                                        <p:cTn id="8" dur="1" fill="hold">
                                           <p:stCondLst>
                                             <p:cond delay="499"/>
                                           </p:stCondLst>
@@ -22262,24 +22253,15 @@
                                   </p:childTnLst>
                                 </p:cTn>
                               </p:par>
-                            </p:childTnLst>
-                          </p:cTn>
-                        </p:par>
-                        <p:par>
-                          <p:cTn id="10" fill="hold" nodeType="afterGroup">
-                            <p:stCondLst>
-                              <p:cond delay="1000"/>
-                            </p:stCondLst>
-                            <p:childTnLst>
                               <p:par>
-                                <p:cTn id="11" presetID="1" presetClass="entr" presetSubtype="0" fill="hold" grpId="0" nodeType="afterEffect">
+                                <p:cTn id="9" presetID="1" presetClass="entr" presetSubtype="0" fill="hold" grpId="0" nodeType="withEffect">
                                   <p:stCondLst>
                                     <p:cond delay="0"/>
                                   </p:stCondLst>
                                   <p:childTnLst>
                                     <p:set>
                                       <p:cBhvr>
-                                        <p:cTn id="12" dur="1" fill="hold">
+                                        <p:cTn id="10" dur="1" fill="hold">
                                           <p:stCondLst>
                                             <p:cond delay="499"/>
                                           </p:stCondLst>
@@ -22305,26 +22287,26 @@
                     </p:cTn>
                   </p:par>
                   <p:par>
-                    <p:cTn id="13" fill="hold" nodeType="clickPar">
+                    <p:cTn id="11" fill="hold" nodeType="clickPar">
                       <p:stCondLst>
                         <p:cond delay="indefinite"/>
                       </p:stCondLst>
                       <p:childTnLst>
                         <p:par>
-                          <p:cTn id="14" fill="hold" nodeType="withGroup">
+                          <p:cTn id="12" fill="hold" nodeType="withGroup">
                             <p:stCondLst>
                               <p:cond delay="0"/>
                             </p:stCondLst>
                             <p:childTnLst>
                               <p:par>
-                                <p:cTn id="15" presetID="1" presetClass="entr" presetSubtype="0" fill="hold" grpId="0" nodeType="clickEffect">
+                                <p:cTn id="13" presetID="1" presetClass="entr" presetSubtype="0" fill="hold" grpId="0" nodeType="clickEffect">
                                   <p:stCondLst>
                                     <p:cond delay="0"/>
                                   </p:stCondLst>
                                   <p:childTnLst>
                                     <p:set>
                                       <p:cBhvr>
-                                        <p:cTn id="16" dur="1" fill="hold">
+                                        <p:cTn id="14" dur="1" fill="hold">
                                           <p:stCondLst>
                                             <p:cond delay="499"/>
                                           </p:stCondLst>
@@ -22343,24 +22325,15 @@
                                   </p:childTnLst>
                                 </p:cTn>
                               </p:par>
-                            </p:childTnLst>
-                          </p:cTn>
-                        </p:par>
-                        <p:par>
-                          <p:cTn id="17" fill="hold" nodeType="afterGroup">
-                            <p:stCondLst>
-                              <p:cond delay="500"/>
-                            </p:stCondLst>
-                            <p:childTnLst>
                               <p:par>
-                                <p:cTn id="18" presetID="1" presetClass="entr" presetSubtype="0" fill="hold" grpId="0" nodeType="afterEffect">
+                                <p:cTn id="15" presetID="1" presetClass="entr" presetSubtype="0" fill="hold" grpId="0" nodeType="withEffect">
                                   <p:stCondLst>
                                     <p:cond delay="0"/>
                                   </p:stCondLst>
                                   <p:childTnLst>
                                     <p:set>
                                       <p:cBhvr>
-                                        <p:cTn id="19" dur="1" fill="hold">
+                                        <p:cTn id="16" dur="1" fill="hold">
                                           <p:stCondLst>
                                             <p:cond delay="499"/>
                                           </p:stCondLst>
@@ -22386,26 +22359,26 @@
                     </p:cTn>
                   </p:par>
                   <p:par>
-                    <p:cTn id="20" fill="hold" nodeType="clickPar">
+                    <p:cTn id="17" fill="hold" nodeType="clickPar">
                       <p:stCondLst>
                         <p:cond delay="indefinite"/>
                       </p:stCondLst>
                       <p:childTnLst>
                         <p:par>
-                          <p:cTn id="21" fill="hold" nodeType="withGroup">
+                          <p:cTn id="18" fill="hold" nodeType="withGroup">
                             <p:stCondLst>
                               <p:cond delay="0"/>
                             </p:stCondLst>
                             <p:childTnLst>
                               <p:par>
-                                <p:cTn id="22" presetID="1" presetClass="entr" presetSubtype="0" fill="hold" grpId="0" nodeType="clickEffect">
+                                <p:cTn id="19" presetID="1" presetClass="entr" presetSubtype="0" fill="hold" grpId="0" nodeType="clickEffect">
                                   <p:stCondLst>
                                     <p:cond delay="0"/>
                                   </p:stCondLst>
                                   <p:childTnLst>
                                     <p:set>
                                       <p:cBhvr>
-                                        <p:cTn id="23" dur="1" fill="hold">
+                                        <p:cTn id="20" dur="1" fill="hold">
                                           <p:stCondLst>
                                             <p:cond delay="499"/>
                                           </p:stCondLst>
@@ -22425,14 +22398,14 @@
                                 </p:cTn>
                               </p:par>
                               <p:par>
-                                <p:cTn id="24" presetID="1" presetClass="entr" presetSubtype="0" fill="hold" grpId="0" nodeType="withEffect">
+                                <p:cTn id="21" presetID="1" presetClass="entr" presetSubtype="0" fill="hold" grpId="0" nodeType="withEffect">
                                   <p:stCondLst>
                                     <p:cond delay="0"/>
                                   </p:stCondLst>
                                   <p:childTnLst>
                                     <p:set>
                                       <p:cBhvr>
-                                        <p:cTn id="25" dur="1" fill="hold">
+                                        <p:cTn id="22" dur="1" fill="hold">
                                           <p:stCondLst>
                                             <p:cond delay="499"/>
                                           </p:stCondLst>
@@ -22458,26 +22431,26 @@
                     </p:cTn>
                   </p:par>
                   <p:par>
-                    <p:cTn id="26" fill="hold" nodeType="clickPar">
+                    <p:cTn id="23" fill="hold" nodeType="clickPar">
                       <p:stCondLst>
                         <p:cond delay="indefinite"/>
                       </p:stCondLst>
                       <p:childTnLst>
                         <p:par>
-                          <p:cTn id="27" fill="hold" nodeType="withGroup">
+                          <p:cTn id="24" fill="hold" nodeType="withGroup">
                             <p:stCondLst>
                               <p:cond delay="0"/>
                             </p:stCondLst>
                             <p:childTnLst>
                               <p:par>
-                                <p:cTn id="28" presetID="1" presetClass="entr" presetSubtype="0" fill="hold" grpId="0" nodeType="clickEffect">
+                                <p:cTn id="25" presetID="1" presetClass="entr" presetSubtype="0" fill="hold" grpId="0" nodeType="clickEffect">
                                   <p:stCondLst>
                                     <p:cond delay="0"/>
                                   </p:stCondLst>
                                   <p:childTnLst>
                                     <p:set>
                                       <p:cBhvr>
-                                        <p:cTn id="29" dur="1" fill="hold">
+                                        <p:cTn id="26" dur="1" fill="hold">
                                           <p:stCondLst>
                                             <p:cond delay="499"/>
                                           </p:stCondLst>
@@ -22774,7 +22747,7 @@
         <p:nvSpPr>
           <p:cNvPr id="29701" name="Rectangle 5"/>
           <p:cNvSpPr>
-            <a:spLocks noChangeArrowheads="1"/>
+            <a:spLocks noGrp="1" noChangeArrowheads="1"/>
           </p:cNvSpPr>
           <p:nvPr>
             <p:ph type="title"/>
@@ -22840,7 +22813,7 @@
         <p:nvSpPr>
           <p:cNvPr id="29702" name="Rectangle 6"/>
           <p:cNvSpPr>
-            <a:spLocks noChangeArrowheads="1"/>
+            <a:spLocks noGrp="1" noChangeArrowheads="1"/>
           </p:cNvSpPr>
           <p:nvPr>
             <p:ph type="body" idx="1"/>
@@ -23904,11 +23877,11 @@
   <p:clrMapOvr>
     <a:masterClrMapping/>
   </p:clrMapOvr>
-  <mc:AlternateContent xmlns:mc="http://schemas.openxmlformats.org/markup-compatibility/2006">
-    <mc:Choice xmlns:p14="http://schemas.microsoft.com/office/powerpoint/2010/main" Requires="p14">
+  <mc:AlternateContent xmlns:mc="http://schemas.openxmlformats.org/markup-compatibility/2006" xmlns:p14="http://schemas.microsoft.com/office/powerpoint/2010/main">
+    <mc:Choice Requires="p14">
       <p:transition spd="slow" p14:dur="2000"/>
     </mc:Choice>
-    <mc:Fallback>
+    <mc:Fallback xmlns="">
       <p:transition xmlns:p14="http://schemas.microsoft.com/office/powerpoint/2010/main" spd="slow"/>
     </mc:Fallback>
   </mc:AlternateContent>
@@ -24288,7 +24261,7 @@
                                           </p:stCondLst>
                                         </p:cTn>
                                         <p:tgtEl>
-                                          <p:spTgt spid="29706"/>
+                                          <p:spTgt spid="29708"/>
                                         </p:tgtEl>
                                         <p:attrNameLst>
                                           <p:attrName>style.visibility</p:attrName>
@@ -24333,7 +24306,7 @@
                                           </p:stCondLst>
                                         </p:cTn>
                                         <p:tgtEl>
-                                          <p:spTgt spid="29713"/>
+                                          <p:spTgt spid="29706"/>
                                         </p:tgtEl>
                                         <p:attrNameLst>
                                           <p:attrName>style.visibility</p:attrName>
@@ -24378,43 +24351,7 @@
                                           </p:stCondLst>
                                         </p:cTn>
                                         <p:tgtEl>
-                                          <p:spTgt spid="29709"/>
-                                        </p:tgtEl>
-                                        <p:attrNameLst>
-                                          <p:attrName>style.visibility</p:attrName>
-                                        </p:attrNameLst>
-                                      </p:cBhvr>
-                                      <p:to>
-                                        <p:strVal val="visible"/>
-                                      </p:to>
-                                    </p:set>
-                                  </p:childTnLst>
-                                </p:cTn>
-                              </p:par>
-                            </p:childTnLst>
-                          </p:cTn>
-                        </p:par>
-                        <p:par>
-                          <p:cTn id="41" fill="hold">
-                            <p:stCondLst>
-                              <p:cond delay="500"/>
-                            </p:stCondLst>
-                            <p:childTnLst>
-                              <p:par>
-                                <p:cTn id="42" presetID="1" presetClass="entr" presetSubtype="0" fill="hold" grpId="0" nodeType="afterEffect">
-                                  <p:stCondLst>
-                                    <p:cond delay="0"/>
-                                  </p:stCondLst>
-                                  <p:childTnLst>
-                                    <p:set>
-                                      <p:cBhvr>
-                                        <p:cTn id="43" dur="1" fill="hold">
-                                          <p:stCondLst>
-                                            <p:cond delay="499"/>
-                                          </p:stCondLst>
-                                        </p:cTn>
-                                        <p:tgtEl>
-                                          <p:spTgt spid="29710"/>
+                                          <p:spTgt spid="29713"/>
                                         </p:tgtEl>
                                         <p:attrNameLst>
                                           <p:attrName>style.visibility</p:attrName>
@@ -24434,19 +24371,55 @@
                     </p:cTn>
                   </p:par>
                   <p:par>
-                    <p:cTn id="44" fill="hold">
+                    <p:cTn id="41" fill="hold">
                       <p:stCondLst>
                         <p:cond delay="indefinite"/>
                       </p:stCondLst>
                       <p:childTnLst>
                         <p:par>
-                          <p:cTn id="45" fill="hold">
+                          <p:cTn id="42" fill="hold">
                             <p:stCondLst>
                               <p:cond delay="0"/>
                             </p:stCondLst>
                             <p:childTnLst>
                               <p:par>
-                                <p:cTn id="46" presetID="1" presetClass="entr" presetSubtype="0" fill="hold" grpId="0" nodeType="clickEffect">
+                                <p:cTn id="43" presetID="1" presetClass="entr" presetSubtype="0" fill="hold" grpId="0" nodeType="clickEffect">
+                                  <p:stCondLst>
+                                    <p:cond delay="0"/>
+                                  </p:stCondLst>
+                                  <p:childTnLst>
+                                    <p:set>
+                                      <p:cBhvr>
+                                        <p:cTn id="44" dur="1" fill="hold">
+                                          <p:stCondLst>
+                                            <p:cond delay="499"/>
+                                          </p:stCondLst>
+                                        </p:cTn>
+                                        <p:tgtEl>
+                                          <p:spTgt spid="29709"/>
+                                        </p:tgtEl>
+                                        <p:attrNameLst>
+                                          <p:attrName>style.visibility</p:attrName>
+                                        </p:attrNameLst>
+                                      </p:cBhvr>
+                                      <p:to>
+                                        <p:strVal val="visible"/>
+                                      </p:to>
+                                    </p:set>
+                                  </p:childTnLst>
+                                </p:cTn>
+                              </p:par>
+                            </p:childTnLst>
+                          </p:cTn>
+                        </p:par>
+                        <p:par>
+                          <p:cTn id="45" fill="hold">
+                            <p:stCondLst>
+                              <p:cond delay="500"/>
+                            </p:stCondLst>
+                            <p:childTnLst>
+                              <p:par>
+                                <p:cTn id="46" presetID="1" presetClass="entr" presetSubtype="0" fill="hold" grpId="0" nodeType="afterEffect">
                                   <p:stCondLst>
                                     <p:cond delay="0"/>
                                   </p:stCondLst>
@@ -24459,7 +24432,7 @@
                                           </p:stCondLst>
                                         </p:cTn>
                                         <p:tgtEl>
-                                          <p:spTgt spid="29714"/>
+                                          <p:spTgt spid="29710"/>
                                         </p:tgtEl>
                                         <p:attrNameLst>
                                           <p:attrName>style.visibility</p:attrName>
@@ -24504,7 +24477,7 @@
                                           </p:stCondLst>
                                         </p:cTn>
                                         <p:tgtEl>
-                                          <p:spTgt spid="29711"/>
+                                          <p:spTgt spid="29714"/>
                                         </p:tgtEl>
                                         <p:attrNameLst>
                                           <p:attrName>style.visibility</p:attrName>
@@ -24549,7 +24522,7 @@
                                           </p:stCondLst>
                                         </p:cTn>
                                         <p:tgtEl>
-                                          <p:spTgt spid="29712"/>
+                                          <p:spTgt spid="29711"/>
                                         </p:tgtEl>
                                         <p:attrNameLst>
                                           <p:attrName>style.visibility</p:attrName>
@@ -24594,7 +24567,7 @@
                                           </p:stCondLst>
                                         </p:cTn>
                                         <p:tgtEl>
-                                          <p:spTgt spid="29708"/>
+                                          <p:spTgt spid="29712"/>
                                         </p:tgtEl>
                                         <p:attrNameLst>
                                           <p:attrName>style.visibility</p:attrName>
@@ -24941,7 +24914,7 @@
         <p:nvSpPr>
           <p:cNvPr id="30726" name="Rectangle 6"/>
           <p:cNvSpPr>
-            <a:spLocks noChangeArrowheads="1"/>
+            <a:spLocks noGrp="1" noChangeArrowheads="1"/>
           </p:cNvSpPr>
           <p:nvPr>
             <p:ph type="title"/>
@@ -25904,11 +25877,11 @@
   <p:clrMapOvr>
     <a:masterClrMapping/>
   </p:clrMapOvr>
-  <mc:AlternateContent xmlns:mc="http://schemas.openxmlformats.org/markup-compatibility/2006">
-    <mc:Choice xmlns:p14="http://schemas.microsoft.com/office/powerpoint/2010/main" Requires="p14">
+  <mc:AlternateContent xmlns:mc="http://schemas.openxmlformats.org/markup-compatibility/2006" xmlns:p14="http://schemas.microsoft.com/office/powerpoint/2010/main">
+    <mc:Choice Requires="p14">
       <p:transition spd="slow" p14:dur="2000"/>
     </mc:Choice>
-    <mc:Fallback>
+    <mc:Fallback xmlns="">
       <p:transition xmlns:p14="http://schemas.microsoft.com/office/powerpoint/2010/main" spd="slow"/>
     </mc:Fallback>
   </mc:AlternateContent>
@@ -26742,7 +26715,7 @@
         <p:nvSpPr>
           <p:cNvPr id="31748" name="Rectangle 4"/>
           <p:cNvSpPr>
-            <a:spLocks noChangeArrowheads="1"/>
+            <a:spLocks noGrp="1" noChangeArrowheads="1"/>
           </p:cNvSpPr>
           <p:nvPr>
             <p:ph type="title"/>
@@ -26808,7 +26781,7 @@
         <p:nvSpPr>
           <p:cNvPr id="31749" name="Rectangle 5"/>
           <p:cNvSpPr>
-            <a:spLocks noChangeArrowheads="1"/>
+            <a:spLocks noGrp="1" noChangeArrowheads="1"/>
           </p:cNvSpPr>
           <p:nvPr>
             <p:ph type="body" idx="1"/>
@@ -27313,11 +27286,11 @@
   <p:clrMapOvr>
     <a:masterClrMapping/>
   </p:clrMapOvr>
-  <mc:AlternateContent xmlns:mc="http://schemas.openxmlformats.org/markup-compatibility/2006">
-    <mc:Choice xmlns:p14="http://schemas.microsoft.com/office/powerpoint/2010/main" Requires="p14">
+  <mc:AlternateContent xmlns:mc="http://schemas.openxmlformats.org/markup-compatibility/2006" xmlns:p14="http://schemas.microsoft.com/office/powerpoint/2010/main">
+    <mc:Choice Requires="p14">
       <p:transition spd="slow" p14:dur="2000"/>
     </mc:Choice>
-    <mc:Fallback>
+    <mc:Fallback xmlns="">
       <p:transition xmlns:p14="http://schemas.microsoft.com/office/powerpoint/2010/main" spd="slow"/>
     </mc:Fallback>
   </mc:AlternateContent>
@@ -28057,7 +28030,7 @@
         <p:nvSpPr>
           <p:cNvPr id="32772" name="Rectangle 4"/>
           <p:cNvSpPr>
-            <a:spLocks noChangeArrowheads="1"/>
+            <a:spLocks noGrp="1" noChangeArrowheads="1"/>
           </p:cNvSpPr>
           <p:nvPr>
             <p:ph type="title"/>
@@ -28142,7 +28115,7 @@
         <p:nvSpPr>
           <p:cNvPr id="32773" name="Rectangle 5"/>
           <p:cNvSpPr>
-            <a:spLocks noChangeArrowheads="1"/>
+            <a:spLocks noGrp="1" noChangeArrowheads="1"/>
           </p:cNvSpPr>
           <p:nvPr>
             <p:ph type="body" idx="1"/>
@@ -28463,11 +28436,11 @@
   <p:clrMapOvr>
     <a:masterClrMapping/>
   </p:clrMapOvr>
-  <mc:AlternateContent xmlns:mc="http://schemas.openxmlformats.org/markup-compatibility/2006">
-    <mc:Choice xmlns:p14="http://schemas.microsoft.com/office/powerpoint/2010/main" Requires="p14">
+  <mc:AlternateContent xmlns:mc="http://schemas.openxmlformats.org/markup-compatibility/2006" xmlns:p14="http://schemas.microsoft.com/office/powerpoint/2010/main">
+    <mc:Choice Requires="p14">
       <p:transition spd="slow" p14:dur="2000"/>
     </mc:Choice>
-    <mc:Fallback>
+    <mc:Fallback xmlns="">
       <p:transition xmlns:p14="http://schemas.microsoft.com/office/powerpoint/2010/main" spd="slow"/>
     </mc:Fallback>
   </mc:AlternateContent>
@@ -28664,7 +28637,7 @@
         <p:nvSpPr>
           <p:cNvPr id="33796" name="Rectangle 4"/>
           <p:cNvSpPr>
-            <a:spLocks noChangeArrowheads="1"/>
+            <a:spLocks noGrp="1" noChangeArrowheads="1"/>
           </p:cNvSpPr>
           <p:nvPr>
             <p:ph type="title"/>
@@ -28730,7 +28703,7 @@
         <p:nvSpPr>
           <p:cNvPr id="33797" name="Rectangle 5"/>
           <p:cNvSpPr>
-            <a:spLocks noChangeArrowheads="1"/>
+            <a:spLocks noGrp="1" noChangeArrowheads="1"/>
           </p:cNvSpPr>
           <p:nvPr>
             <p:ph type="body" idx="1"/>
@@ -29056,11 +29029,11 @@
   <p:clrMapOvr>
     <a:masterClrMapping/>
   </p:clrMapOvr>
-  <mc:AlternateContent xmlns:mc="http://schemas.openxmlformats.org/markup-compatibility/2006">
-    <mc:Choice xmlns:p14="http://schemas.microsoft.com/office/powerpoint/2010/main" Requires="p14">
+  <mc:AlternateContent xmlns:mc="http://schemas.openxmlformats.org/markup-compatibility/2006" xmlns:p14="http://schemas.microsoft.com/office/powerpoint/2010/main">
+    <mc:Choice Requires="p14">
       <p:transition spd="slow" p14:dur="2000"/>
     </mc:Choice>
-    <mc:Fallback>
+    <mc:Fallback xmlns="">
       <p:transition xmlns:p14="http://schemas.microsoft.com/office/powerpoint/2010/main" spd="slow"/>
     </mc:Fallback>
   </mc:AlternateContent>
@@ -29257,7 +29230,7 @@
         <p:nvSpPr>
           <p:cNvPr id="34820" name="Rectangle 4"/>
           <p:cNvSpPr>
-            <a:spLocks noChangeArrowheads="1"/>
+            <a:spLocks noGrp="1" noChangeArrowheads="1"/>
           </p:cNvSpPr>
           <p:nvPr>
             <p:ph type="title"/>
@@ -29806,11 +29779,11 @@
   <p:clrMapOvr>
     <a:masterClrMapping/>
   </p:clrMapOvr>
-  <mc:AlternateContent xmlns:mc="http://schemas.openxmlformats.org/markup-compatibility/2006">
-    <mc:Choice xmlns:p14="http://schemas.microsoft.com/office/powerpoint/2010/main" Requires="p14">
+  <mc:AlternateContent xmlns:mc="http://schemas.openxmlformats.org/markup-compatibility/2006" xmlns:p14="http://schemas.microsoft.com/office/powerpoint/2010/main">
+    <mc:Choice Requires="p14">
       <p:transition spd="slow" p14:dur="2000"/>
     </mc:Choice>
-    <mc:Fallback>
+    <mc:Fallback xmlns="">
       <p:transition xmlns:p14="http://schemas.microsoft.com/office/powerpoint/2010/main" spd="slow"/>
     </mc:Fallback>
   </mc:AlternateContent>
@@ -30078,7 +30051,7 @@
         <p:nvSpPr>
           <p:cNvPr id="35844" name="Rectangle 4"/>
           <p:cNvSpPr>
-            <a:spLocks noChangeArrowheads="1"/>
+            <a:spLocks noGrp="1" noChangeArrowheads="1"/>
           </p:cNvSpPr>
           <p:nvPr>
             <p:ph type="title"/>
@@ -30752,11 +30725,11 @@
   <p:clrMapOvr>
     <a:masterClrMapping/>
   </p:clrMapOvr>
-  <mc:AlternateContent xmlns:mc="http://schemas.openxmlformats.org/markup-compatibility/2006">
-    <mc:Choice xmlns:p14="http://schemas.microsoft.com/office/powerpoint/2010/main" Requires="p14">
+  <mc:AlternateContent xmlns:mc="http://schemas.openxmlformats.org/markup-compatibility/2006" xmlns:p14="http://schemas.microsoft.com/office/powerpoint/2010/main">
+    <mc:Choice Requires="p14">
       <p:transition spd="slow" p14:dur="2000"/>
     </mc:Choice>
-    <mc:Fallback>
+    <mc:Fallback xmlns="">
       <p:transition xmlns:p14="http://schemas.microsoft.com/office/powerpoint/2010/main" spd="slow"/>
     </mc:Fallback>
   </mc:AlternateContent>
@@ -31164,7 +31137,7 @@
         <p:nvSpPr>
           <p:cNvPr id="36868" name="Rectangle 4"/>
           <p:cNvSpPr>
-            <a:spLocks noChangeArrowheads="1"/>
+            <a:spLocks noGrp="1" noChangeArrowheads="1"/>
           </p:cNvSpPr>
           <p:nvPr>
             <p:ph type="title"/>
@@ -31230,7 +31203,7 @@
         <p:nvSpPr>
           <p:cNvPr id="36869" name="Rectangle 5"/>
           <p:cNvSpPr>
-            <a:spLocks noChangeArrowheads="1"/>
+            <a:spLocks noGrp="1" noChangeArrowheads="1"/>
           </p:cNvSpPr>
           <p:nvPr>
             <p:ph type="body" idx="1"/>
@@ -31736,11 +31709,11 @@
   <p:clrMapOvr>
     <a:masterClrMapping/>
   </p:clrMapOvr>
-  <mc:AlternateContent xmlns:mc="http://schemas.openxmlformats.org/markup-compatibility/2006">
-    <mc:Choice xmlns:p14="http://schemas.microsoft.com/office/powerpoint/2010/main" Requires="p14">
+  <mc:AlternateContent xmlns:mc="http://schemas.openxmlformats.org/markup-compatibility/2006" xmlns:p14="http://schemas.microsoft.com/office/powerpoint/2010/main">
+    <mc:Choice Requires="p14">
       <p:transition spd="slow" p14:dur="2000"/>
     </mc:Choice>
-    <mc:Fallback>
+    <mc:Fallback xmlns="">
       <p:transition xmlns:p14="http://schemas.microsoft.com/office/powerpoint/2010/main" spd="slow"/>
     </mc:Fallback>
   </mc:AlternateContent>
@@ -31937,7 +31910,7 @@
         <p:nvSpPr>
           <p:cNvPr id="37892" name="Rectangle 4"/>
           <p:cNvSpPr>
-            <a:spLocks noChangeArrowheads="1"/>
+            <a:spLocks noGrp="1" noChangeArrowheads="1"/>
           </p:cNvSpPr>
           <p:nvPr>
             <p:ph type="title"/>
@@ -32453,11 +32426,11 @@
   <p:clrMapOvr>
     <a:masterClrMapping/>
   </p:clrMapOvr>
-  <mc:AlternateContent xmlns:mc="http://schemas.openxmlformats.org/markup-compatibility/2006">
-    <mc:Choice xmlns:p14="http://schemas.microsoft.com/office/powerpoint/2010/main" Requires="p14">
+  <mc:AlternateContent xmlns:mc="http://schemas.openxmlformats.org/markup-compatibility/2006" xmlns:p14="http://schemas.microsoft.com/office/powerpoint/2010/main">
+    <mc:Choice Requires="p14">
       <p:transition spd="slow" p14:dur="2000"/>
     </mc:Choice>
-    <mc:Fallback>
+    <mc:Fallback xmlns="">
       <p:transition xmlns:p14="http://schemas.microsoft.com/office/powerpoint/2010/main" spd="slow"/>
     </mc:Fallback>
   </mc:AlternateContent>
@@ -32725,7 +32698,7 @@
         <p:nvSpPr>
           <p:cNvPr id="38916" name="Rectangle 4"/>
           <p:cNvSpPr>
-            <a:spLocks noChangeArrowheads="1"/>
+            <a:spLocks noGrp="1" noChangeArrowheads="1"/>
           </p:cNvSpPr>
           <p:nvPr>
             <p:ph type="title"/>
@@ -32817,7 +32790,7 @@
         <p:nvSpPr>
           <p:cNvPr id="38917" name="Rectangle 5"/>
           <p:cNvSpPr>
-            <a:spLocks noChangeArrowheads="1"/>
+            <a:spLocks noGrp="1" noChangeArrowheads="1"/>
           </p:cNvSpPr>
           <p:nvPr>
             <p:ph type="body" idx="1"/>
@@ -33173,11 +33146,11 @@
   <p:clrMapOvr>
     <a:masterClrMapping/>
   </p:clrMapOvr>
-  <mc:AlternateContent xmlns:mc="http://schemas.openxmlformats.org/markup-compatibility/2006">
-    <mc:Choice xmlns:p14="http://schemas.microsoft.com/office/powerpoint/2010/main" Requires="p14">
+  <mc:AlternateContent xmlns:mc="http://schemas.openxmlformats.org/markup-compatibility/2006" xmlns:p14="http://schemas.microsoft.com/office/powerpoint/2010/main">
+    <mc:Choice Requires="p14">
       <p:transition spd="slow" p14:dur="2000"/>
     </mc:Choice>
-    <mc:Fallback>
+    <mc:Fallback xmlns="">
       <p:transition xmlns:p14="http://schemas.microsoft.com/office/powerpoint/2010/main" spd="slow"/>
     </mc:Fallback>
   </mc:AlternateContent>
@@ -33374,7 +33347,7 @@
         <p:nvSpPr>
           <p:cNvPr id="39940" name="Rectangle 4"/>
           <p:cNvSpPr>
-            <a:spLocks noChangeArrowheads="1"/>
+            <a:spLocks noGrp="1" noChangeArrowheads="1"/>
           </p:cNvSpPr>
           <p:nvPr>
             <p:ph type="title"/>
@@ -35374,11 +35347,18 @@
           <a:p>
             <a:pPr algn="ctr"/>
             <a:r>
+              <a:rPr lang="en-US" sz="1700" b="1" dirty="0" err="1">
+                <a:ea typeface="ＭＳ Ｐゴシック" charset="0"/>
+                <a:cs typeface="Helvetica" charset="0"/>
+              </a:rPr>
+              <a:t>Memops</a:t>
+            </a:r>
+            <a:r>
               <a:rPr lang="en-US" sz="1700" b="1">
                 <a:ea typeface="ＭＳ Ｐゴシック" charset="0"/>
                 <a:cs typeface="Helvetica" charset="0"/>
               </a:rPr>
-              <a:t>Memops</a:t>
+              <a:t/>
             </a:r>
             <a:br>
               <a:rPr lang="en-US" sz="1700" b="1">
@@ -35387,32 +35367,53 @@
               </a:rPr>
             </a:br>
             <a:r>
-              <a:rPr lang="en-US" sz="1700">
+              <a:rPr lang="en-US" sz="1700" smtClean="0">
                 <a:ea typeface="ＭＳ Ｐゴシック" charset="0"/>
                 <a:cs typeface="Helvetica" charset="0"/>
               </a:rPr>
-              <a:t>64 Gref/s</a:t>
+              <a:t>64</a:t>
+            </a:r>
+            <a:r>
+              <a:rPr lang="en-US" sz="1700" smtClean="0">
+                <a:ea typeface="ＭＳ Ｐゴシック" charset="0"/>
+                <a:cs typeface="Helvetica" charset="0"/>
+              </a:rPr>
+              <a:t> </a:t>
+            </a:r>
+            <a:r>
+              <a:rPr lang="en-US" sz="1700" dirty="0" err="1">
+                <a:ea typeface="ＭＳ Ｐゴシック" charset="0"/>
+                <a:cs typeface="Helvetica" charset="0"/>
+              </a:rPr>
+              <a:t>Gref</a:t>
+            </a:r>
+            <a:r>
+              <a:rPr lang="en-US" sz="1700" dirty="0">
+                <a:ea typeface="ＭＳ Ｐゴシック" charset="0"/>
+                <a:cs typeface="Helvetica" charset="0"/>
+              </a:rPr>
+              <a:t>/s</a:t>
             </a:r>
             <a:br>
-              <a:rPr lang="en-US" sz="1700">
+              <a:rPr lang="en-US" sz="1700" dirty="0">
                 <a:ea typeface="ＭＳ Ｐゴシック" charset="0"/>
                 <a:cs typeface="Helvetica" charset="0"/>
               </a:rPr>
             </a:br>
             <a:r>
-              <a:rPr lang="en-US" sz="1700">
+              <a:rPr lang="en-US" sz="1700" dirty="0">
                 <a:ea typeface="ＭＳ Ｐゴシック" charset="0"/>
                 <a:cs typeface="Helvetica" charset="0"/>
               </a:rPr>
               <a:t>~64 in flight</a:t>
             </a:r>
             <a:br>
-              <a:rPr lang="en-US" sz="1700">
+              <a:rPr lang="en-US" sz="1700" dirty="0">
                 <a:ea typeface="ＭＳ Ｐゴシック" charset="0"/>
                 <a:cs typeface="Helvetica" charset="0"/>
               </a:rPr>
             </a:br>
-            <a:endParaRPr lang="en-US" sz="1700">
+            <a:endParaRPr lang="en-US" sz="1700" dirty="0">
               <a:ea typeface="ＭＳ Ｐゴシック" charset="0"/>
               <a:cs typeface="Helvetica" charset="0"/>
             </a:endParaRPr>
@@ -35783,11 +35784,11 @@
   <p:clrMapOvr>
     <a:masterClrMapping/>
   </p:clrMapOvr>
-  <mc:AlternateContent xmlns:mc="http://schemas.openxmlformats.org/markup-compatibility/2006">
-    <mc:Choice xmlns:p14="http://schemas.microsoft.com/office/powerpoint/2010/main" Requires="p14">
+  <mc:AlternateContent xmlns:mc="http://schemas.openxmlformats.org/markup-compatibility/2006" xmlns:p14="http://schemas.microsoft.com/office/powerpoint/2010/main">
+    <mc:Choice Requires="p14">
       <p:transition spd="slow" p14:dur="2000"/>
     </mc:Choice>
-    <mc:Fallback>
+    <mc:Fallback xmlns="">
       <p:transition xmlns:p14="http://schemas.microsoft.com/office/powerpoint/2010/main" spd="slow"/>
     </mc:Fallback>
   </mc:AlternateContent>
@@ -36304,7 +36305,7 @@
                             </p:stCondLst>
                             <p:childTnLst>
                               <p:par>
-                                <p:cTn id="35" presetID="23" presetClass="entr" presetSubtype="16" fill="hold" grpId="0" nodeType="clickEffect">
+                                <p:cTn id="35" presetID="1" presetClass="entr" presetSubtype="0" fill="hold" grpId="0" nodeType="clickEffect">
                                   <p:stCondLst>
                                     <p:cond delay="0"/>
                                   </p:stCondLst>
@@ -36312,6 +36313,51 @@
                                     <p:set>
                                       <p:cBhvr>
                                         <p:cTn id="36" dur="1" fill="hold">
+                                          <p:stCondLst>
+                                            <p:cond delay="499"/>
+                                          </p:stCondLst>
+                                        </p:cTn>
+                                        <p:tgtEl>
+                                          <p:spTgt spid="39981"/>
+                                        </p:tgtEl>
+                                        <p:attrNameLst>
+                                          <p:attrName>style.visibility</p:attrName>
+                                        </p:attrNameLst>
+                                      </p:cBhvr>
+                                      <p:to>
+                                        <p:strVal val="visible"/>
+                                      </p:to>
+                                    </p:set>
+                                  </p:childTnLst>
+                                </p:cTn>
+                              </p:par>
+                            </p:childTnLst>
+                          </p:cTn>
+                        </p:par>
+                      </p:childTnLst>
+                    </p:cTn>
+                  </p:par>
+                  <p:par>
+                    <p:cTn id="37" fill="hold">
+                      <p:stCondLst>
+                        <p:cond delay="indefinite"/>
+                      </p:stCondLst>
+                      <p:childTnLst>
+                        <p:par>
+                          <p:cTn id="38" fill="hold">
+                            <p:stCondLst>
+                              <p:cond delay="0"/>
+                            </p:stCondLst>
+                            <p:childTnLst>
+                              <p:par>
+                                <p:cTn id="39" presetID="23" presetClass="entr" presetSubtype="16" fill="hold" grpId="0" nodeType="clickEffect">
+                                  <p:stCondLst>
+                                    <p:cond delay="0"/>
+                                  </p:stCondLst>
+                                  <p:childTnLst>
+                                    <p:set>
+                                      <p:cBhvr>
+                                        <p:cTn id="40" dur="1" fill="hold">
                                           <p:stCondLst>
                                             <p:cond delay="0"/>
                                           </p:stCondLst>
@@ -36329,7 +36375,7 @@
                                     </p:set>
                                     <p:anim calcmode="lin" valueType="num">
                                       <p:cBhvr>
-                                        <p:cTn id="37" dur="100" fill="hold"/>
+                                        <p:cTn id="41" dur="100" fill="hold"/>
                                         <p:tgtEl>
                                           <p:spTgt spid="39977"/>
                                         </p:tgtEl>
@@ -36352,7 +36398,7 @@
                                     </p:anim>
                                     <p:anim calcmode="lin" valueType="num">
                                       <p:cBhvr>
-                                        <p:cTn id="38" dur="100" fill="hold"/>
+                                        <p:cTn id="42" dur="100" fill="hold"/>
                                         <p:tgtEl>
                                           <p:spTgt spid="39977"/>
                                         </p:tgtEl>
@@ -36377,14 +36423,14 @@
                                 </p:cTn>
                               </p:par>
                               <p:par>
-                                <p:cTn id="39" presetID="23" presetClass="entr" presetSubtype="16" fill="hold" grpId="0" nodeType="withEffect">
+                                <p:cTn id="43" presetID="23" presetClass="entr" presetSubtype="16" fill="hold" grpId="0" nodeType="withEffect">
                                   <p:stCondLst>
                                     <p:cond delay="0"/>
                                   </p:stCondLst>
                                   <p:childTnLst>
                                     <p:set>
                                       <p:cBhvr>
-                                        <p:cTn id="40" dur="1" fill="hold">
+                                        <p:cTn id="44" dur="1" fill="hold">
                                           <p:stCondLst>
                                             <p:cond delay="0"/>
                                           </p:stCondLst>
@@ -36402,7 +36448,7 @@
                                     </p:set>
                                     <p:anim calcmode="lin" valueType="num">
                                       <p:cBhvr>
-                                        <p:cTn id="41" dur="100" fill="hold"/>
+                                        <p:cTn id="45" dur="100" fill="hold"/>
                                         <p:tgtEl>
                                           <p:spTgt spid="39978"/>
                                         </p:tgtEl>
@@ -36425,7 +36471,7 @@
                                     </p:anim>
                                     <p:anim calcmode="lin" valueType="num">
                                       <p:cBhvr>
-                                        <p:cTn id="42" dur="100" fill="hold"/>
+                                        <p:cTn id="46" dur="100" fill="hold"/>
                                         <p:tgtEl>
                                           <p:spTgt spid="39978"/>
                                         </p:tgtEl>
@@ -36456,26 +36502,26 @@
                     </p:cTn>
                   </p:par>
                   <p:par>
-                    <p:cTn id="43" fill="hold" nodeType="clickPar">
+                    <p:cTn id="47" fill="hold">
                       <p:stCondLst>
                         <p:cond delay="indefinite"/>
                       </p:stCondLst>
                       <p:childTnLst>
                         <p:par>
-                          <p:cTn id="44" fill="hold" nodeType="withGroup">
+                          <p:cTn id="48" fill="hold">
                             <p:stCondLst>
                               <p:cond delay="0"/>
                             </p:stCondLst>
                             <p:childTnLst>
                               <p:par>
-                                <p:cTn id="45" presetID="23" presetClass="entr" presetSubtype="16" fill="hold" grpId="0" nodeType="clickEffect">
+                                <p:cTn id="49" presetID="23" presetClass="entr" presetSubtype="16" fill="hold" grpId="0" nodeType="clickEffect">
                                   <p:stCondLst>
                                     <p:cond delay="0"/>
                                   </p:stCondLst>
                                   <p:childTnLst>
                                     <p:set>
                                       <p:cBhvr>
-                                        <p:cTn id="46" dur="1" fill="hold">
+                                        <p:cTn id="50" dur="1" fill="hold">
                                           <p:stCondLst>
                                             <p:cond delay="0"/>
                                           </p:stCondLst>
@@ -36493,7 +36539,7 @@
                                     </p:set>
                                     <p:anim calcmode="lin" valueType="num">
                                       <p:cBhvr>
-                                        <p:cTn id="47" dur="100" fill="hold"/>
+                                        <p:cTn id="51" dur="100" fill="hold"/>
                                         <p:tgtEl>
                                           <p:spTgt spid="39979"/>
                                         </p:tgtEl>
@@ -36516,7 +36562,7 @@
                                     </p:anim>
                                     <p:anim calcmode="lin" valueType="num">
                                       <p:cBhvr>
-                                        <p:cTn id="48" dur="100" fill="hold"/>
+                                        <p:cTn id="52" dur="100" fill="hold"/>
                                         <p:tgtEl>
                                           <p:spTgt spid="39979"/>
                                         </p:tgtEl>
@@ -36541,14 +36587,14 @@
                                 </p:cTn>
                               </p:par>
                               <p:par>
-                                <p:cTn id="49" presetID="23" presetClass="entr" presetSubtype="16" fill="hold" grpId="0" nodeType="withEffect">
+                                <p:cTn id="53" presetID="23" presetClass="entr" presetSubtype="16" fill="hold" grpId="0" nodeType="withEffect">
                                   <p:stCondLst>
                                     <p:cond delay="0"/>
                                   </p:stCondLst>
                                   <p:childTnLst>
                                     <p:set>
                                       <p:cBhvr>
-                                        <p:cTn id="50" dur="1" fill="hold">
+                                        <p:cTn id="54" dur="1" fill="hold">
                                           <p:stCondLst>
                                             <p:cond delay="0"/>
                                           </p:stCondLst>
@@ -36566,7 +36612,7 @@
                                     </p:set>
                                     <p:anim calcmode="lin" valueType="num">
                                       <p:cBhvr>
-                                        <p:cTn id="51" dur="100" fill="hold"/>
+                                        <p:cTn id="55" dur="100" fill="hold"/>
                                         <p:tgtEl>
                                           <p:spTgt spid="39980"/>
                                         </p:tgtEl>
@@ -36589,7 +36635,7 @@
                                     </p:anim>
                                     <p:anim calcmode="lin" valueType="num">
                                       <p:cBhvr>
-                                        <p:cTn id="52" dur="100" fill="hold"/>
+                                        <p:cTn id="56" dur="100" fill="hold"/>
                                         <p:tgtEl>
                                           <p:spTgt spid="39980"/>
                                         </p:tgtEl>
@@ -36610,51 +36656,6 @@
                                         </p:tav>
                                       </p:tavLst>
                                     </p:anim>
-                                  </p:childTnLst>
-                                </p:cTn>
-                              </p:par>
-                            </p:childTnLst>
-                          </p:cTn>
-                        </p:par>
-                      </p:childTnLst>
-                    </p:cTn>
-                  </p:par>
-                  <p:par>
-                    <p:cTn id="53" fill="hold" nodeType="clickPar">
-                      <p:stCondLst>
-                        <p:cond delay="indefinite"/>
-                      </p:stCondLst>
-                      <p:childTnLst>
-                        <p:par>
-                          <p:cTn id="54" fill="hold" nodeType="withGroup">
-                            <p:stCondLst>
-                              <p:cond delay="0"/>
-                            </p:stCondLst>
-                            <p:childTnLst>
-                              <p:par>
-                                <p:cTn id="55" presetID="1" presetClass="entr" presetSubtype="0" fill="hold" grpId="0" nodeType="clickEffect">
-                                  <p:stCondLst>
-                                    <p:cond delay="0"/>
-                                  </p:stCondLst>
-                                  <p:childTnLst>
-                                    <p:set>
-                                      <p:cBhvr>
-                                        <p:cTn id="56" dur="1" fill="hold">
-                                          <p:stCondLst>
-                                            <p:cond delay="499"/>
-                                          </p:stCondLst>
-                                        </p:cTn>
-                                        <p:tgtEl>
-                                          <p:spTgt spid="39981"/>
-                                        </p:tgtEl>
-                                        <p:attrNameLst>
-                                          <p:attrName>style.visibility</p:attrName>
-                                        </p:attrNameLst>
-                                      </p:cBhvr>
-                                      <p:to>
-                                        <p:strVal val="visible"/>
-                                      </p:to>
-                                    </p:set>
                                   </p:childTnLst>
                                 </p:cTn>
                               </p:par>
@@ -36885,7 +36886,7 @@
         <p:nvSpPr>
           <p:cNvPr id="41988" name="Rectangle 4"/>
           <p:cNvSpPr>
-            <a:spLocks noChangeArrowheads="1"/>
+            <a:spLocks noGrp="1" noChangeArrowheads="1"/>
           </p:cNvSpPr>
           <p:nvPr>
             <p:ph type="title"/>
@@ -36951,7 +36952,7 @@
         <p:nvSpPr>
           <p:cNvPr id="41989" name="Rectangle 5"/>
           <p:cNvSpPr>
-            <a:spLocks noChangeArrowheads="1"/>
+            <a:spLocks noGrp="1" noChangeArrowheads="1"/>
           </p:cNvSpPr>
           <p:nvPr>
             <p:ph type="body" idx="1"/>
@@ -37278,11 +37279,11 @@
   <p:clrMapOvr>
     <a:masterClrMapping/>
   </p:clrMapOvr>
-  <mc:AlternateContent xmlns:mc="http://schemas.openxmlformats.org/markup-compatibility/2006">
-    <mc:Choice xmlns:p14="http://schemas.microsoft.com/office/powerpoint/2010/main" Requires="p14">
+  <mc:AlternateContent xmlns:mc="http://schemas.openxmlformats.org/markup-compatibility/2006" xmlns:p14="http://schemas.microsoft.com/office/powerpoint/2010/main">
+    <mc:Choice Requires="p14">
       <p:transition spd="slow" p14:dur="2000"/>
     </mc:Choice>
-    <mc:Fallback>
+    <mc:Fallback xmlns="">
       <p:transition xmlns:p14="http://schemas.microsoft.com/office/powerpoint/2010/main" spd="slow"/>
     </mc:Fallback>
   </mc:AlternateContent>
@@ -37838,11 +37839,11 @@
   <p:clrMapOvr>
     <a:masterClrMapping/>
   </p:clrMapOvr>
-  <mc:AlternateContent xmlns:mc="http://schemas.openxmlformats.org/markup-compatibility/2006">
-    <mc:Choice xmlns:p14="http://schemas.microsoft.com/office/powerpoint/2010/main" Requires="p14">
+  <mc:AlternateContent xmlns:mc="http://schemas.openxmlformats.org/markup-compatibility/2006" xmlns:p14="http://schemas.microsoft.com/office/powerpoint/2010/main">
+    <mc:Choice Requires="p14">
       <p:transition spd="slow" p14:dur="2000"/>
     </mc:Choice>
-    <mc:Fallback>
+    <mc:Fallback xmlns="">
       <p:transition xmlns:p14="http://schemas.microsoft.com/office/powerpoint/2010/main" spd="slow"/>
     </mc:Fallback>
   </mc:AlternateContent>
@@ -38860,7 +38861,7 @@
     <mc:Choice Requires="p14">
       <p:transition spd="slow" p14:dur="2000"/>
     </mc:Choice>
-    <mc:Fallback xmlns:mv="urn:schemas-microsoft-com:mac:vml" xmlns="">
+    <mc:Fallback xmlns="" xmlns:mv="urn:schemas-microsoft-com:mac:vml">
       <mp:transition xmlns:mp="http://schemas.microsoft.com/office/mac/powerpoint/2008/main" spd="slow"/>
     </mc:Fallback>
   </mc:AlternateContent>
@@ -39416,7 +39417,7 @@
     <mc:Choice Requires="p14">
       <p:transition spd="slow" p14:dur="2000"/>
     </mc:Choice>
-    <mc:Fallback xmlns:mv="urn:schemas-microsoft-com:mac:vml" xmlns="">
+    <mc:Fallback xmlns="" xmlns:mv="urn:schemas-microsoft-com:mac:vml">
       <mp:transition xmlns:mp="http://schemas.microsoft.com/office/mac/powerpoint/2008/main" spd="slow"/>
     </mc:Fallback>
   </mc:AlternateContent>
@@ -39613,7 +39614,7 @@
         <p:nvSpPr>
           <p:cNvPr id="16388" name="Rectangle 4"/>
           <p:cNvSpPr>
-            <a:spLocks noChangeArrowheads="1"/>
+            <a:spLocks noGrp="1" noChangeArrowheads="1"/>
           </p:cNvSpPr>
           <p:nvPr>
             <p:ph type="title"/>
@@ -42241,11 +42242,11 @@
   <p:clrMapOvr>
     <a:masterClrMapping/>
   </p:clrMapOvr>
-  <mc:AlternateContent xmlns:mc="http://schemas.openxmlformats.org/markup-compatibility/2006">
-    <mc:Choice xmlns:p14="http://schemas.microsoft.com/office/powerpoint/2010/main" Requires="p14">
+  <mc:AlternateContent xmlns:mc="http://schemas.openxmlformats.org/markup-compatibility/2006" xmlns:p14="http://schemas.microsoft.com/office/powerpoint/2010/main">
+    <mc:Choice Requires="p14">
       <p:transition spd="slow" p14:dur="2000"/>
     </mc:Choice>
-    <mc:Fallback>
+    <mc:Fallback xmlns="">
       <p:transition xmlns:p14="http://schemas.microsoft.com/office/powerpoint/2010/main" spd="slow"/>
     </mc:Fallback>
   </mc:AlternateContent>
@@ -43537,7 +43538,7 @@
         <p:nvSpPr>
           <p:cNvPr id="17413" name="Rectangle 5"/>
           <p:cNvSpPr>
-            <a:spLocks noChangeArrowheads="1"/>
+            <a:spLocks noGrp="1" noChangeArrowheads="1"/>
           </p:cNvSpPr>
           <p:nvPr>
             <p:ph type="title"/>
@@ -44028,11 +44029,11 @@
   <p:clrMapOvr>
     <a:masterClrMapping/>
   </p:clrMapOvr>
-  <mc:AlternateContent xmlns:mc="http://schemas.openxmlformats.org/markup-compatibility/2006">
-    <mc:Choice xmlns:p14="http://schemas.microsoft.com/office/powerpoint/2010/main" Requires="p14">
+  <mc:AlternateContent xmlns:mc="http://schemas.openxmlformats.org/markup-compatibility/2006" xmlns:p14="http://schemas.microsoft.com/office/powerpoint/2010/main">
+    <mc:Choice Requires="p14">
       <p:transition spd="slow" p14:dur="2000"/>
     </mc:Choice>
-    <mc:Fallback>
+    <mc:Fallback xmlns="">
       <p:transition xmlns:p14="http://schemas.microsoft.com/office/powerpoint/2010/main" spd="slow"/>
     </mc:Fallback>
   </mc:AlternateContent>
@@ -44346,7 +44347,7 @@
         <p:nvSpPr>
           <p:cNvPr id="18436" name="Rectangle 4"/>
           <p:cNvSpPr>
-            <a:spLocks noChangeArrowheads="1"/>
+            <a:spLocks noGrp="1" noChangeArrowheads="1"/>
           </p:cNvSpPr>
           <p:nvPr>
             <p:ph type="title"/>
@@ -44412,7 +44413,7 @@
         <p:nvSpPr>
           <p:cNvPr id="18437" name="Rectangle 5"/>
           <p:cNvSpPr>
-            <a:spLocks noChangeArrowheads="1"/>
+            <a:spLocks noGrp="1" noChangeArrowheads="1"/>
           </p:cNvSpPr>
           <p:nvPr>
             <p:ph type="body" idx="1"/>
@@ -44811,11 +44812,11 @@
   <p:clrMapOvr>
     <a:masterClrMapping/>
   </p:clrMapOvr>
-  <mc:AlternateContent xmlns:mc="http://schemas.openxmlformats.org/markup-compatibility/2006">
-    <mc:Choice xmlns:p14="http://schemas.microsoft.com/office/powerpoint/2010/main" Requires="p14">
+  <mc:AlternateContent xmlns:mc="http://schemas.openxmlformats.org/markup-compatibility/2006" xmlns:p14="http://schemas.microsoft.com/office/powerpoint/2010/main">
+    <mc:Choice Requires="p14">
       <p:transition spd="slow" p14:dur="2000"/>
     </mc:Choice>
-    <mc:Fallback>
+    <mc:Fallback xmlns="">
       <p:transition xmlns:p14="http://schemas.microsoft.com/office/powerpoint/2010/main" spd="slow"/>
     </mc:Fallback>
   </mc:AlternateContent>
@@ -45361,7 +45362,7 @@
         <p:nvSpPr>
           <p:cNvPr id="19460" name="Rectangle 4"/>
           <p:cNvSpPr>
-            <a:spLocks noChangeArrowheads="1"/>
+            <a:spLocks noGrp="1" noChangeArrowheads="1"/>
           </p:cNvSpPr>
           <p:nvPr>
             <p:ph type="title"/>
@@ -45427,7 +45428,7 @@
         <p:nvSpPr>
           <p:cNvPr id="19461" name="Rectangle 5"/>
           <p:cNvSpPr>
-            <a:spLocks noChangeArrowheads="1"/>
+            <a:spLocks noGrp="1" noChangeArrowheads="1"/>
           </p:cNvSpPr>
           <p:nvPr>
             <p:ph type="body" idx="1"/>
@@ -45794,11 +45795,11 @@
   <p:clrMapOvr>
     <a:masterClrMapping/>
   </p:clrMapOvr>
-  <mc:AlternateContent xmlns:mc="http://schemas.openxmlformats.org/markup-compatibility/2006">
-    <mc:Choice xmlns:p14="http://schemas.microsoft.com/office/powerpoint/2010/main" Requires="p14">
+  <mc:AlternateContent xmlns:mc="http://schemas.openxmlformats.org/markup-compatibility/2006" xmlns:p14="http://schemas.microsoft.com/office/powerpoint/2010/main">
+    <mc:Choice Requires="p14">
       <p:transition spd="slow" p14:dur="2000"/>
     </mc:Choice>
-    <mc:Fallback>
+    <mc:Fallback xmlns="">
       <p:transition xmlns:p14="http://schemas.microsoft.com/office/powerpoint/2010/main" spd="slow"/>
     </mc:Fallback>
   </mc:AlternateContent>
